--- a/SingleStopUSA_ASP/docs/Single Stop Student Support Solution v1.0.pptx
+++ b/SingleStopUSA_ASP/docs/Single Stop Student Support Solution v1.0.pptx
@@ -1939,7 +1939,7 @@
             <a:fld id="{ACB21690-C2CB-4963-8687-5D0FBF67CDC4}" type="datetimeFigureOut">
               <a:rPr lang="en-US" smtClean="0"/>
               <a:pPr/>
-              <a:t>10/30/2013</a:t>
+              <a:t>10/31/2013</a:t>
             </a:fld>
             <a:endParaRPr lang="en-US" dirty="0"/>
           </a:p>
@@ -2131,7 +2131,7 @@
             <a:fld id="{8995D68B-21AC-438B-BECE-4F17DA129F19}" type="datetime4">
               <a:rPr lang="en-US" smtClean="0"/>
               <a:pPr/>
-              <a:t>October 30, 2013</a:t>
+              <a:t>October 31, 2013</a:t>
             </a:fld>
             <a:endParaRPr lang="en-US" dirty="0"/>
           </a:p>
@@ -2606,7 +2606,7 @@
             <a:fld id="{679F0FCF-2EA5-4FF5-AF14-1CA9C8854AAB}" type="datetime4">
               <a:rPr lang="en-US" smtClean="0"/>
               <a:pPr/>
-              <a:t>October 30, 2013</a:t>
+              <a:t>October 31, 2013</a:t>
             </a:fld>
             <a:endParaRPr lang="en-US" dirty="0"/>
           </a:p>
@@ -2916,7 +2916,7 @@
             <a:fld id="{F9E781C6-1634-4A56-B2BE-62150BE83935}" type="datetime4">
               <a:rPr lang="en-US" smtClean="0"/>
               <a:pPr/>
-              <a:t>October 30, 2013</a:t>
+              <a:t>October 31, 2013</a:t>
             </a:fld>
             <a:endParaRPr lang="en-US" dirty="0"/>
           </a:p>
@@ -3339,7 +3339,7 @@
             <a:fld id="{A9372AC2-3C75-4F5F-A929-48958086FE36}" type="datetime4">
               <a:rPr lang="en-US" smtClean="0"/>
               <a:pPr/>
-              <a:t>October 30, 2013</a:t>
+              <a:t>October 31, 2013</a:t>
             </a:fld>
             <a:endParaRPr lang="en-US" dirty="0"/>
           </a:p>
@@ -3454,7 +3454,7 @@
             <a:fld id="{17509CF4-4C1A-45DC-BADA-6EFF91CB9ABB}" type="datetime4">
               <a:rPr lang="en-US" smtClean="0"/>
               <a:pPr/>
-              <a:t>October 30, 2013</a:t>
+              <a:t>October 31, 2013</a:t>
             </a:fld>
             <a:endParaRPr lang="en-US" dirty="0"/>
           </a:p>
@@ -3615,7 +3615,7 @@
             <a:fld id="{C53951C0-B478-4858-ABC7-96406A1C0480}" type="datetime4">
               <a:rPr lang="en-US" smtClean="0"/>
               <a:pPr/>
-              <a:t>October 30, 2013</a:t>
+              <a:t>October 31, 2013</a:t>
             </a:fld>
             <a:endParaRPr lang="en-US" dirty="0"/>
           </a:p>
@@ -4001,7 +4001,7 @@
             <a:fld id="{B867641A-9D94-4BD6-862F-F651067079BC}" type="datetime4">
               <a:rPr lang="en-US" smtClean="0"/>
               <a:pPr/>
-              <a:t>October 30, 2013</a:t>
+              <a:t>October 31, 2013</a:t>
             </a:fld>
             <a:endParaRPr lang="en-US" dirty="0"/>
           </a:p>
@@ -4365,7 +4365,7 @@
             <a:fld id="{D74F0C02-0EF4-4745-9D82-E8D3F59464E3}" type="datetime4">
               <a:rPr lang="en-US" smtClean="0"/>
               <a:pPr/>
-              <a:t>October 30, 2013</a:t>
+              <a:t>October 31, 2013</a:t>
             </a:fld>
             <a:endParaRPr lang="en-US" dirty="0"/>
           </a:p>
@@ -4568,7 +4568,7 @@
             <a:fld id="{AFDD7A28-FA93-4136-BDC1-BCCB2687E678}" type="datetimeFigureOut">
               <a:rPr lang="en-US" smtClean="0"/>
               <a:pPr/>
-              <a:t>10/30/2013</a:t>
+              <a:t>10/31/2013</a:t>
             </a:fld>
             <a:endParaRPr lang="en-US"/>
           </a:p>
@@ -4837,7 +4837,7 @@
             <a:fld id="{AFDD7A28-FA93-4136-BDC1-BCCB2687E678}" type="datetimeFigureOut">
               <a:rPr lang="en-US" smtClean="0"/>
               <a:pPr/>
-              <a:t>10/30/2013</a:t>
+              <a:t>10/31/2013</a:t>
             </a:fld>
             <a:endParaRPr lang="en-US" dirty="0"/>
           </a:p>
@@ -5183,7 +5183,7 @@
             <a:fld id="{ACB21690-C2CB-4963-8687-5D0FBF67CDC4}" type="datetimeFigureOut">
               <a:rPr lang="en-US" smtClean="0"/>
               <a:pPr/>
-              <a:t>10/30/2013</a:t>
+              <a:t>10/31/2013</a:t>
             </a:fld>
             <a:endParaRPr lang="en-US" dirty="0"/>
           </a:p>
@@ -8870,7 +8870,7 @@
             <a:fld id="{EC43563C-D9B3-4432-B336-144C997D6215}" type="datetime1">
               <a:rPr lang="en-US" smtClean="0"/>
               <a:pPr/>
-              <a:t>10/30/2013</a:t>
+              <a:t>10/31/2013</a:t>
             </a:fld>
             <a:endParaRPr lang="en-US" dirty="0"/>
           </a:p>
@@ -9413,59 +9413,7 @@
                   </a:outerShdw>
                 </a:effectLst>
               </a:rPr>
-              <a:t>Single Stop </a:t>
-            </a:r>
-            <a:r>
-              <a:rPr lang="en-US" dirty="0" smtClean="0">
-                <a:ln w="12700">
-                  <a:solidFill>
-                    <a:schemeClr val="tx2">
-                      <a:satMod val="155000"/>
-                    </a:schemeClr>
-                  </a:solidFill>
-                  <a:prstDash val="solid"/>
-                </a:ln>
-                <a:solidFill>
-                  <a:schemeClr val="bg2">
-                    <a:tint val="85000"/>
-                    <a:satMod val="155000"/>
-                  </a:schemeClr>
-                </a:solidFill>
-                <a:effectLst>
-                  <a:outerShdw blurRad="41275" dist="20320" dir="1800000" algn="tl" rotWithShape="0">
-                    <a:srgbClr val="000000">
-                      <a:alpha val="40000"/>
-                    </a:srgbClr>
-                  </a:outerShdw>
-                </a:effectLst>
-              </a:rPr>
-              <a:t>USA</a:t>
-            </a:r>
-            <a:r>
-              <a:rPr lang="en-US" dirty="0" smtClean="0">
-                <a:ln w="12700">
-                  <a:solidFill>
-                    <a:schemeClr val="tx2">
-                      <a:satMod val="155000"/>
-                    </a:schemeClr>
-                  </a:solidFill>
-                  <a:prstDash val="solid"/>
-                </a:ln>
-                <a:solidFill>
-                  <a:schemeClr val="bg2">
-                    <a:tint val="85000"/>
-                    <a:satMod val="155000"/>
-                  </a:schemeClr>
-                </a:solidFill>
-                <a:effectLst>
-                  <a:outerShdw blurRad="41275" dist="20320" dir="1800000" algn="tl" rotWithShape="0">
-                    <a:srgbClr val="000000">
-                      <a:alpha val="40000"/>
-                    </a:srgbClr>
-                  </a:outerShdw>
-                </a:effectLst>
-              </a:rPr>
-              <a:t/>
+              <a:t>Single Stop USA</a:t>
             </a:r>
             <a:br>
               <a:rPr lang="en-US" dirty="0" smtClean="0">
@@ -9567,33 +9515,7 @@
                   </a:outerShdw>
                 </a:effectLst>
               </a:rPr>
-              <a:t> </a:t>
-            </a:r>
-            <a:r>
-              <a:rPr lang="en-US" dirty="0" smtClean="0">
-                <a:ln w="12700">
-                  <a:solidFill>
-                    <a:schemeClr val="tx2">
-                      <a:satMod val="155000"/>
-                    </a:schemeClr>
-                  </a:solidFill>
-                  <a:prstDash val="solid"/>
-                </a:ln>
-                <a:solidFill>
-                  <a:schemeClr val="bg2">
-                    <a:tint val="85000"/>
-                    <a:satMod val="155000"/>
-                  </a:schemeClr>
-                </a:solidFill>
-                <a:effectLst>
-                  <a:outerShdw blurRad="41275" dist="20320" dir="1800000" algn="tl" rotWithShape="0">
-                    <a:srgbClr val="000000">
-                      <a:alpha val="40000"/>
-                    </a:srgbClr>
-                  </a:outerShdw>
-                </a:effectLst>
-              </a:rPr>
-              <a:t>Student Support Solution </a:t>
+              <a:t> Student Support Solution </a:t>
             </a:r>
             <a:endParaRPr lang="en-US" dirty="0">
               <a:ln w="12700">
@@ -9921,8 +9843,8 @@
           <a:p>
             <a:pPr lvl="1"/>
             <a:r>
-              <a:rPr lang="en-US" dirty="0" err="1" smtClean="0"/>
-              <a:t>OrchardCRM</a:t>
+              <a:rPr lang="en-US" dirty="0" smtClean="0"/>
+              <a:t>Orchard CRM</a:t>
             </a:r>
             <a:endParaRPr lang="en-US" dirty="0" smtClean="0"/>
           </a:p>
@@ -10057,17 +9979,33 @@
           <a:p>
             <a:r>
               <a:rPr lang="en-US" dirty="0" smtClean="0"/>
-              <a:t>The service will handle all validations, connections, and communication with the CRM limiting the exposure the front end developers need to have with the support queue.</a:t>
-            </a:r>
-          </a:p>
-          <a:p>
+              <a:t>The service will handle all validations, connections, and communication with the </a:t>
+            </a:r>
             <a:r>
               <a:rPr lang="en-US" dirty="0" smtClean="0"/>
-              <a:t>The servic</a:t>
+              <a:t>CRM, </a:t>
             </a:r>
             <a:r>
               <a:rPr lang="en-US" dirty="0" smtClean="0"/>
-              <a:t>e is generic enough to handle unlimited notes, tasks, or appointments but also smart enough to avoid duplicating contact entries. If an email address has already been used, the new case will be assigned to the existing contact.</a:t>
+              <a:t>limiting the exposure the front end developers need to have with the support queue.</a:t>
+            </a:r>
+          </a:p>
+          <a:p>
+            <a:r>
+              <a:rPr lang="en-US" dirty="0" smtClean="0"/>
+              <a:t>The service is generic enough to handle </a:t>
+            </a:r>
+            <a:r>
+              <a:rPr lang="en-US" dirty="0" smtClean="0"/>
+              <a:t>multiple</a:t>
+            </a:r>
+            <a:r>
+              <a:rPr lang="en-US" dirty="0" smtClean="0"/>
+              <a:t> </a:t>
+            </a:r>
+            <a:r>
+              <a:rPr lang="en-US" dirty="0" smtClean="0"/>
+              <a:t>notes, tasks, or appointments but also smart enough to avoid duplicating contact entries. If an email address has already been used, the new case will be assigned to the existing contact.</a:t>
             </a:r>
             <a:endParaRPr lang="en-US" dirty="0"/>
           </a:p>
@@ -10161,7 +10099,18 @@
           <a:p>
             <a:r>
               <a:rPr lang="en-US" dirty="0" smtClean="0"/>
-              <a:t>Dynamics provides basic workflow functionality for the support staff to work cases and leave notes on each student. The CRM also allows the staff to track notes, tasks, and events associated with each student so once they are in the system it will be easy to lookup the last time they were contacted.</a:t>
+              <a:t>Dynamics provides basic workflow functionality for the support staff to work cases and leave notes on each student. </a:t>
+            </a:r>
+            <a:endParaRPr lang="en-US" dirty="0" smtClean="0"/>
+          </a:p>
+          <a:p>
+            <a:r>
+              <a:rPr lang="en-US" dirty="0" smtClean="0"/>
+              <a:t>The </a:t>
+            </a:r>
+            <a:r>
+              <a:rPr lang="en-US" dirty="0" smtClean="0"/>
+              <a:t>CRM also allows the staff to track notes, tasks, and events associated with each student so once they are in the system it will be easy to lookup the last time they were contacted.</a:t>
             </a:r>
             <a:endParaRPr lang="en-US" dirty="0"/>
           </a:p>
@@ -10242,6 +10191,17 @@
           <a:bodyPr/>
           <a:lstStyle/>
           <a:p>
+            <a:r>
+              <a:rPr lang="en-US" dirty="0" smtClean="0"/>
+              <a:t>Source:</a:t>
+            </a:r>
+          </a:p>
+          <a:p>
+            <a:pPr lvl="1"/>
+            <a:r>
+              <a:rPr lang="en-US"/>
+              <a:t>https://github.com/acstjohn/SingleStopUSA_ASP.git</a:t>
+            </a:r>
             <a:endParaRPr lang="en-US" dirty="0"/>
           </a:p>
         </p:txBody>
